--- a/backend/test-output/pdf-to-ppt_output.pptx
+++ b/backend/test-output/pdf-to-ppt_output.pptx
@@ -870,7 +870,7 @@
       </p:grpSpPr>
       <p:pic>
         <p:nvPicPr>
-          <p:cNvPr id="2" name="Image 0" descr="temp_slides_1748511686646/slide_0.jpg">    </p:cNvPr>
+          <p:cNvPr id="2" name="Image 0" descr="temp_slides_1748531203293/slide_0.jpg">    </p:cNvPr>
           <p:cNvPicPr>
             <a:picLocks noChangeAspect="1"/>
           </p:cNvPicPr>
